--- a/Презентация_Терещук_ВО.pptx
+++ b/Презентация_Терещук_ВО.pptx
@@ -17,9 +17,11 @@
     <p:sldId id="270" r:id="rId11"/>
     <p:sldId id="271" r:id="rId12"/>
     <p:sldId id="272" r:id="rId13"/>
-    <p:sldId id="264" r:id="rId14"/>
-    <p:sldId id="265" r:id="rId15"/>
-    <p:sldId id="266" r:id="rId16"/>
+    <p:sldId id="273" r:id="rId14"/>
+    <p:sldId id="274" r:id="rId15"/>
+    <p:sldId id="264" r:id="rId16"/>
+    <p:sldId id="265" r:id="rId17"/>
+    <p:sldId id="266" r:id="rId18"/>
   </p:sldIdLst>
   <p:sldSz cx="12192000" cy="6858000"/>
   <p:notesSz cx="6858000" cy="9144000"/>
@@ -313,7 +315,7 @@
             <a:fld id="{B61BEF0D-F0BB-DE4B-95CE-6DB70DBA9567}" type="datetimeFigureOut">
               <a:rPr lang="en-US" smtClean="0"/>
               <a:pPr/>
-              <a:t>4/11/2022</a:t>
+              <a:t>4/21/2022</a:t>
             </a:fld>
             <a:endParaRPr lang="en-US" dirty="0"/>
           </a:p>
@@ -590,7 +592,7 @@
             <a:fld id="{B61BEF0D-F0BB-DE4B-95CE-6DB70DBA9567}" type="datetimeFigureOut">
               <a:rPr lang="en-US" smtClean="0"/>
               <a:pPr/>
-              <a:t>4/11/2022</a:t>
+              <a:t>4/21/2022</a:t>
             </a:fld>
             <a:endParaRPr lang="en-US" dirty="0"/>
           </a:p>
@@ -786,7 +788,7 @@
             <a:fld id="{B61BEF0D-F0BB-DE4B-95CE-6DB70DBA9567}" type="datetimeFigureOut">
               <a:rPr lang="en-US" smtClean="0"/>
               <a:pPr/>
-              <a:t>4/11/2022</a:t>
+              <a:t>4/21/2022</a:t>
             </a:fld>
             <a:endParaRPr lang="en-US" dirty="0"/>
           </a:p>
@@ -1061,7 +1063,7 @@
             <a:fld id="{B61BEF0D-F0BB-DE4B-95CE-6DB70DBA9567}" type="datetimeFigureOut">
               <a:rPr lang="en-US" smtClean="0"/>
               <a:pPr/>
-              <a:t>4/11/2022</a:t>
+              <a:t>4/21/2022</a:t>
             </a:fld>
             <a:endParaRPr lang="en-US" dirty="0"/>
           </a:p>
@@ -1404,7 +1406,7 @@
             <a:fld id="{B61BEF0D-F0BB-DE4B-95CE-6DB70DBA9567}" type="datetimeFigureOut">
               <a:rPr lang="en-US" smtClean="0"/>
               <a:pPr/>
-              <a:t>4/11/2022</a:t>
+              <a:t>4/21/2022</a:t>
             </a:fld>
             <a:endParaRPr lang="en-US" dirty="0"/>
           </a:p>
@@ -2029,7 +2031,7 @@
             <a:fld id="{B61BEF0D-F0BB-DE4B-95CE-6DB70DBA9567}" type="datetimeFigureOut">
               <a:rPr lang="en-US" smtClean="0"/>
               <a:pPr/>
-              <a:t>4/11/2022</a:t>
+              <a:t>4/21/2022</a:t>
             </a:fld>
             <a:endParaRPr lang="en-US" dirty="0"/>
           </a:p>
@@ -2891,7 +2893,7 @@
             <a:fld id="{B61BEF0D-F0BB-DE4B-95CE-6DB70DBA9567}" type="datetimeFigureOut">
               <a:rPr lang="en-US" smtClean="0"/>
               <a:pPr/>
-              <a:t>4/11/2022</a:t>
+              <a:t>4/21/2022</a:t>
             </a:fld>
             <a:endParaRPr lang="en-US" dirty="0"/>
           </a:p>
@@ -3063,7 +3065,7 @@
             <a:fld id="{B61BEF0D-F0BB-DE4B-95CE-6DB70DBA9567}" type="datetimeFigureOut">
               <a:rPr lang="en-US" smtClean="0"/>
               <a:pPr/>
-              <a:t>4/11/2022</a:t>
+              <a:t>4/21/2022</a:t>
             </a:fld>
             <a:endParaRPr lang="en-US" dirty="0"/>
           </a:p>
@@ -3245,7 +3247,7 @@
             <a:fld id="{B61BEF0D-F0BB-DE4B-95CE-6DB70DBA9567}" type="datetimeFigureOut">
               <a:rPr lang="en-US" smtClean="0"/>
               <a:pPr/>
-              <a:t>4/11/2022</a:t>
+              <a:t>4/21/2022</a:t>
             </a:fld>
             <a:endParaRPr lang="en-US" dirty="0"/>
           </a:p>
@@ -3417,7 +3419,7 @@
             <a:fld id="{B61BEF0D-F0BB-DE4B-95CE-6DB70DBA9567}" type="datetimeFigureOut">
               <a:rPr lang="en-US" smtClean="0"/>
               <a:pPr/>
-              <a:t>4/11/2022</a:t>
+              <a:t>4/21/2022</a:t>
             </a:fld>
             <a:endParaRPr lang="en-US" dirty="0"/>
           </a:p>
@@ -3666,7 +3668,7 @@
             <a:fld id="{B61BEF0D-F0BB-DE4B-95CE-6DB70DBA9567}" type="datetimeFigureOut">
               <a:rPr lang="en-US" smtClean="0"/>
               <a:pPr/>
-              <a:t>4/11/2022</a:t>
+              <a:t>4/21/2022</a:t>
             </a:fld>
             <a:endParaRPr lang="en-US" dirty="0"/>
           </a:p>
@@ -3960,7 +3962,7 @@
             <a:fld id="{B61BEF0D-F0BB-DE4B-95CE-6DB70DBA9567}" type="datetimeFigureOut">
               <a:rPr lang="en-US" smtClean="0"/>
               <a:pPr/>
-              <a:t>4/11/2022</a:t>
+              <a:t>4/21/2022</a:t>
             </a:fld>
             <a:endParaRPr lang="en-US" dirty="0"/>
           </a:p>
@@ -4406,7 +4408,7 @@
             <a:fld id="{B61BEF0D-F0BB-DE4B-95CE-6DB70DBA9567}" type="datetimeFigureOut">
               <a:rPr lang="en-US" smtClean="0"/>
               <a:pPr/>
-              <a:t>4/11/2022</a:t>
+              <a:t>4/21/2022</a:t>
             </a:fld>
             <a:endParaRPr lang="en-US" dirty="0"/>
           </a:p>
@@ -4526,7 +4528,7 @@
             <a:fld id="{B61BEF0D-F0BB-DE4B-95CE-6DB70DBA9567}" type="datetimeFigureOut">
               <a:rPr lang="en-US" smtClean="0"/>
               <a:pPr/>
-              <a:t>4/11/2022</a:t>
+              <a:t>4/21/2022</a:t>
             </a:fld>
             <a:endParaRPr lang="en-US" dirty="0"/>
           </a:p>
@@ -4623,7 +4625,7 @@
             <a:fld id="{B61BEF0D-F0BB-DE4B-95CE-6DB70DBA9567}" type="datetimeFigureOut">
               <a:rPr lang="en-US" smtClean="0"/>
               <a:pPr/>
-              <a:t>4/11/2022</a:t>
+              <a:t>4/21/2022</a:t>
             </a:fld>
             <a:endParaRPr lang="en-US" dirty="0"/>
           </a:p>
@@ -4904,7 +4906,7 @@
             <a:fld id="{B61BEF0D-F0BB-DE4B-95CE-6DB70DBA9567}" type="datetimeFigureOut">
               <a:rPr lang="en-US" smtClean="0"/>
               <a:pPr/>
-              <a:t>4/11/2022</a:t>
+              <a:t>4/21/2022</a:t>
             </a:fld>
             <a:endParaRPr lang="en-US" dirty="0"/>
           </a:p>
@@ -5181,7 +5183,7 @@
             <a:fld id="{B61BEF0D-F0BB-DE4B-95CE-6DB70DBA9567}" type="datetimeFigureOut">
               <a:rPr lang="en-US" smtClean="0"/>
               <a:pPr/>
-              <a:t>4/11/2022</a:t>
+              <a:t>4/21/2022</a:t>
             </a:fld>
             <a:endParaRPr lang="en-US" dirty="0"/>
           </a:p>
@@ -5612,7 +5614,7 @@
             <a:fld id="{B61BEF0D-F0BB-DE4B-95CE-6DB70DBA9567}" type="datetimeFigureOut">
               <a:rPr lang="en-US" smtClean="0"/>
               <a:pPr/>
-              <a:t>4/11/2022</a:t>
+              <a:t>4/21/2022</a:t>
             </a:fld>
             <a:endParaRPr lang="en-US" dirty="0"/>
           </a:p>
@@ -6440,80 +6442,62 @@
       </p:sp>
       <p:pic>
         <p:nvPicPr>
-          <p:cNvPr id="7" name="Рисунок 6">
+          <p:cNvPr id="3" name="Рисунок 2">
             <a:extLst>
               <a:ext uri="{FF2B5EF4-FFF2-40B4-BE49-F238E27FC236}">
-                <a16:creationId xmlns:a16="http://schemas.microsoft.com/office/drawing/2014/main" id="{2AEF3093-CD9D-4590-8AEE-FFAB9EED2184}"/>
+                <a16:creationId xmlns:a16="http://schemas.microsoft.com/office/drawing/2014/main" id="{26886300-1E00-4B87-8209-AE7650F3A2EC}"/>
               </a:ext>
             </a:extLst>
           </p:cNvPr>
-          <p:cNvPicPr/>
+          <p:cNvPicPr>
+            <a:picLocks noChangeAspect="1"/>
+          </p:cNvPicPr>
           <p:nvPr/>
         </p:nvPicPr>
         <p:blipFill>
-          <a:blip r:embed="rId2">
-            <a:extLst>
-              <a:ext uri="{28A0092B-C50C-407E-A947-70E740481C1C}">
-                <a14:useLocalDpi xmlns:a14="http://schemas.microsoft.com/office/drawing/2010/main" val="0"/>
-              </a:ext>
-            </a:extLst>
-          </a:blip>
-          <a:srcRect/>
+          <a:blip r:embed="rId2"/>
           <a:stretch>
             <a:fillRect/>
           </a:stretch>
         </p:blipFill>
-        <p:spPr bwMode="auto">
+        <p:spPr>
           <a:xfrm>
-            <a:off x="646111" y="2584412"/>
-            <a:ext cx="4826000" cy="2565400"/>
+            <a:off x="434847" y="2590304"/>
+            <a:ext cx="4632960" cy="3131820"/>
           </a:xfrm>
           <a:prstGeom prst="rect">
             <a:avLst/>
           </a:prstGeom>
-          <a:noFill/>
-          <a:ln>
-            <a:noFill/>
-          </a:ln>
         </p:spPr>
       </p:pic>
       <p:pic>
         <p:nvPicPr>
-          <p:cNvPr id="8" name="Рисунок 7">
+          <p:cNvPr id="10" name="Рисунок 9">
             <a:extLst>
               <a:ext uri="{FF2B5EF4-FFF2-40B4-BE49-F238E27FC236}">
-                <a16:creationId xmlns:a16="http://schemas.microsoft.com/office/drawing/2014/main" id="{A1497A5C-1D47-4352-8B8E-54150934EB22}"/>
+                <a16:creationId xmlns:a16="http://schemas.microsoft.com/office/drawing/2014/main" id="{291B0F5A-F500-43EB-A8A7-60ED515FDF06}"/>
               </a:ext>
             </a:extLst>
           </p:cNvPr>
-          <p:cNvPicPr/>
+          <p:cNvPicPr>
+            <a:picLocks noChangeAspect="1"/>
+          </p:cNvPicPr>
           <p:nvPr/>
         </p:nvPicPr>
         <p:blipFill>
-          <a:blip r:embed="rId3">
-            <a:extLst>
-              <a:ext uri="{28A0092B-C50C-407E-A947-70E740481C1C}">
-                <a14:useLocalDpi xmlns:a14="http://schemas.microsoft.com/office/drawing/2010/main" val="0"/>
-              </a:ext>
-            </a:extLst>
-          </a:blip>
-          <a:srcRect/>
+          <a:blip r:embed="rId3"/>
           <a:stretch>
             <a:fillRect/>
           </a:stretch>
         </p:blipFill>
-        <p:spPr bwMode="auto">
+        <p:spPr>
           <a:xfrm>
-            <a:off x="5672864" y="2589987"/>
-            <a:ext cx="4964656" cy="2559826"/>
+            <a:off x="5654493" y="2590304"/>
+            <a:ext cx="4632960" cy="3131820"/>
           </a:xfrm>
           <a:prstGeom prst="rect">
             <a:avLst/>
           </a:prstGeom>
-          <a:noFill/>
-          <a:ln>
-            <a:noFill/>
-          </a:ln>
         </p:spPr>
       </p:pic>
     </p:spTree>
@@ -6548,39 +6532,6 @@
       </p:grpSpPr>
       <p:sp>
         <p:nvSpPr>
-          <p:cNvPr id="4" name="Заголовок 3">
-            <a:extLst>
-              <a:ext uri="{FF2B5EF4-FFF2-40B4-BE49-F238E27FC236}">
-                <a16:creationId xmlns:a16="http://schemas.microsoft.com/office/drawing/2014/main" id="{0AAD88E2-D106-4690-8893-BD4B17572C8B}"/>
-              </a:ext>
-            </a:extLst>
-          </p:cNvPr>
-          <p:cNvSpPr>
-            <a:spLocks noGrp="1"/>
-          </p:cNvSpPr>
-          <p:nvPr>
-            <p:ph type="title"/>
-          </p:nvPr>
-        </p:nvSpPr>
-        <p:spPr>
-          <a:xfrm>
-            <a:off x="165651" y="307657"/>
-            <a:ext cx="10214929" cy="1400530"/>
-          </a:xfrm>
-        </p:spPr>
-        <p:txBody>
-          <a:bodyPr/>
-          <a:lstStyle/>
-          <a:p>
-            <a:r>
-              <a:rPr lang="ru-RU" dirty="0"/>
-              <a:t>Предсказание для признака «Модуль упругости при растяжении» </a:t>
-            </a:r>
-          </a:p>
-        </p:txBody>
-      </p:sp>
-      <p:sp>
-        <p:nvSpPr>
           <p:cNvPr id="5" name="Объект 4">
             <a:extLst>
               <a:ext uri="{FF2B5EF4-FFF2-40B4-BE49-F238E27FC236}">
@@ -6642,82 +6593,97 @@
       </p:sp>
       <p:pic>
         <p:nvPicPr>
-          <p:cNvPr id="9" name="Рисунок 8">
+          <p:cNvPr id="3" name="Рисунок 2">
             <a:extLst>
               <a:ext uri="{FF2B5EF4-FFF2-40B4-BE49-F238E27FC236}">
-                <a16:creationId xmlns:a16="http://schemas.microsoft.com/office/drawing/2014/main" id="{40299A55-1DB0-458E-9D2A-32D41D713D92}"/>
+                <a16:creationId xmlns:a16="http://schemas.microsoft.com/office/drawing/2014/main" id="{3C851600-111D-4A5A-A33E-8C12BF5BBD78}"/>
               </a:ext>
             </a:extLst>
           </p:cNvPr>
-          <p:cNvPicPr/>
+          <p:cNvPicPr>
+            <a:picLocks noChangeAspect="1"/>
+          </p:cNvPicPr>
           <p:nvPr/>
         </p:nvPicPr>
         <p:blipFill>
-          <a:blip r:embed="rId2">
-            <a:extLst>
-              <a:ext uri="{28A0092B-C50C-407E-A947-70E740481C1C}">
-                <a14:useLocalDpi xmlns:a14="http://schemas.microsoft.com/office/drawing/2010/main" val="0"/>
-              </a:ext>
-            </a:extLst>
-          </a:blip>
-          <a:srcRect/>
+          <a:blip r:embed="rId2"/>
           <a:stretch>
             <a:fillRect/>
           </a:stretch>
         </p:blipFill>
-        <p:spPr bwMode="auto">
+        <p:spPr>
           <a:xfrm>
-            <a:off x="165651" y="2589987"/>
-            <a:ext cx="5334000" cy="2559826"/>
+            <a:off x="165651" y="2590304"/>
+            <a:ext cx="4632960" cy="3131820"/>
           </a:xfrm>
           <a:prstGeom prst="rect">
             <a:avLst/>
           </a:prstGeom>
-          <a:noFill/>
-          <a:ln>
-            <a:noFill/>
-          </a:ln>
         </p:spPr>
       </p:pic>
       <p:pic>
         <p:nvPicPr>
-          <p:cNvPr id="10" name="Рисунок 9">
+          <p:cNvPr id="8" name="Рисунок 7">
             <a:extLst>
               <a:ext uri="{FF2B5EF4-FFF2-40B4-BE49-F238E27FC236}">
-                <a16:creationId xmlns:a16="http://schemas.microsoft.com/office/drawing/2014/main" id="{AD1D56D5-9FA6-4AB3-83DE-3DEDFDDEC269}"/>
+                <a16:creationId xmlns:a16="http://schemas.microsoft.com/office/drawing/2014/main" id="{0EBA5AB2-2D19-4E31-9DA0-60A0DC8FE2EA}"/>
               </a:ext>
             </a:extLst>
           </p:cNvPr>
-          <p:cNvPicPr/>
+          <p:cNvPicPr>
+            <a:picLocks noChangeAspect="1"/>
+          </p:cNvPicPr>
           <p:nvPr/>
         </p:nvPicPr>
         <p:blipFill>
-          <a:blip r:embed="rId3">
-            <a:extLst>
-              <a:ext uri="{28A0092B-C50C-407E-A947-70E740481C1C}">
-                <a14:useLocalDpi xmlns:a14="http://schemas.microsoft.com/office/drawing/2010/main" val="0"/>
-              </a:ext>
-            </a:extLst>
-          </a:blip>
-          <a:srcRect/>
+          <a:blip r:embed="rId3"/>
           <a:stretch>
             <a:fillRect/>
           </a:stretch>
         </p:blipFill>
-        <p:spPr bwMode="auto">
+        <p:spPr>
           <a:xfrm>
-            <a:off x="5795644" y="2589987"/>
-            <a:ext cx="5634355" cy="2559826"/>
+            <a:off x="5319963" y="2590304"/>
+            <a:ext cx="6758940" cy="3131820"/>
           </a:xfrm>
           <a:prstGeom prst="rect">
             <a:avLst/>
           </a:prstGeom>
-          <a:noFill/>
-          <a:ln>
-            <a:noFill/>
-          </a:ln>
         </p:spPr>
       </p:pic>
+      <p:sp>
+        <p:nvSpPr>
+          <p:cNvPr id="13" name="Заголовок 3">
+            <a:extLst>
+              <a:ext uri="{FF2B5EF4-FFF2-40B4-BE49-F238E27FC236}">
+                <a16:creationId xmlns:a16="http://schemas.microsoft.com/office/drawing/2014/main" id="{F79801F1-8BA3-46B7-BCC9-A19ADD84CEE8}"/>
+              </a:ext>
+            </a:extLst>
+          </p:cNvPr>
+          <p:cNvSpPr>
+            <a:spLocks noGrp="1"/>
+          </p:cNvSpPr>
+          <p:nvPr>
+            <p:ph type="title"/>
+          </p:nvPr>
+        </p:nvSpPr>
+        <p:spPr>
+          <a:xfrm>
+            <a:off x="303686" y="388615"/>
+            <a:ext cx="10336849" cy="1400530"/>
+          </a:xfrm>
+        </p:spPr>
+        <p:txBody>
+          <a:bodyPr/>
+          <a:lstStyle/>
+          <a:p>
+            <a:r>
+              <a:rPr lang="ru-RU" dirty="0"/>
+              <a:t>Предсказание для признака «Модуль упругости при растяжении» </a:t>
+            </a:r>
+          </a:p>
+        </p:txBody>
+      </p:sp>
     </p:spTree>
     <p:extLst>
       <p:ext uri="{BB962C8B-B14F-4D97-AF65-F5344CB8AC3E}">
@@ -6804,7 +6770,7 @@
           <a:p>
             <a:r>
               <a:rPr lang="ru-RU" dirty="0"/>
-              <a:t>Случайный лес</a:t>
+              <a:t>Линейная регрессия</a:t>
             </a:r>
           </a:p>
         </p:txBody>
@@ -6844,80 +6810,62 @@
       </p:sp>
       <p:pic>
         <p:nvPicPr>
-          <p:cNvPr id="8" name="Рисунок 7">
+          <p:cNvPr id="12" name="Рисунок 11">
             <a:extLst>
               <a:ext uri="{FF2B5EF4-FFF2-40B4-BE49-F238E27FC236}">
-                <a16:creationId xmlns:a16="http://schemas.microsoft.com/office/drawing/2014/main" id="{13C76244-23DF-4D7D-ACFF-1B4CF0113622}"/>
+                <a16:creationId xmlns:a16="http://schemas.microsoft.com/office/drawing/2014/main" id="{BE1DE4D0-20A3-4416-9B05-FF93DB29A3C5}"/>
               </a:ext>
             </a:extLst>
           </p:cNvPr>
-          <p:cNvPicPr/>
+          <p:cNvPicPr>
+            <a:picLocks noChangeAspect="1"/>
+          </p:cNvPicPr>
           <p:nvPr/>
         </p:nvPicPr>
         <p:blipFill>
-          <a:blip r:embed="rId2">
-            <a:extLst>
-              <a:ext uri="{28A0092B-C50C-407E-A947-70E740481C1C}">
-                <a14:useLocalDpi xmlns:a14="http://schemas.microsoft.com/office/drawing/2010/main" val="0"/>
-              </a:ext>
-            </a:extLst>
-          </a:blip>
-          <a:srcRect/>
+          <a:blip r:embed="rId2"/>
           <a:stretch>
             <a:fillRect/>
           </a:stretch>
         </p:blipFill>
-        <p:spPr bwMode="auto">
+        <p:spPr>
           <a:xfrm>
-            <a:off x="221984" y="2772867"/>
-            <a:ext cx="5277667" cy="2559826"/>
+            <a:off x="260031" y="2590304"/>
+            <a:ext cx="5206547" cy="3131820"/>
           </a:xfrm>
           <a:prstGeom prst="rect">
             <a:avLst/>
           </a:prstGeom>
-          <a:noFill/>
-          <a:ln>
-            <a:noFill/>
-          </a:ln>
         </p:spPr>
       </p:pic>
       <p:pic>
         <p:nvPicPr>
-          <p:cNvPr id="11" name="Рисунок 10">
+          <p:cNvPr id="14" name="Рисунок 13">
             <a:extLst>
               <a:ext uri="{FF2B5EF4-FFF2-40B4-BE49-F238E27FC236}">
-                <a16:creationId xmlns:a16="http://schemas.microsoft.com/office/drawing/2014/main" id="{7B635241-FCA6-46F6-B7ED-324781626CAA}"/>
+                <a16:creationId xmlns:a16="http://schemas.microsoft.com/office/drawing/2014/main" id="{23A57769-7832-4E87-9EB5-1713E31C6293}"/>
               </a:ext>
             </a:extLst>
           </p:cNvPr>
-          <p:cNvPicPr/>
+          <p:cNvPicPr>
+            <a:picLocks noChangeAspect="1"/>
+          </p:cNvPicPr>
           <p:nvPr/>
         </p:nvPicPr>
         <p:blipFill>
-          <a:blip r:embed="rId3">
-            <a:extLst>
-              <a:ext uri="{28A0092B-C50C-407E-A947-70E740481C1C}">
-                <a14:useLocalDpi xmlns:a14="http://schemas.microsoft.com/office/drawing/2010/main" val="0"/>
-              </a:ext>
-            </a:extLst>
-          </a:blip>
-          <a:srcRect/>
+          <a:blip r:embed="rId3"/>
           <a:stretch>
             <a:fillRect/>
           </a:stretch>
         </p:blipFill>
-        <p:spPr bwMode="auto">
+        <p:spPr>
           <a:xfrm>
-            <a:off x="5809335" y="2772867"/>
-            <a:ext cx="5206547" cy="2559826"/>
+            <a:off x="5654493" y="2590304"/>
+            <a:ext cx="4533900" cy="3139440"/>
           </a:xfrm>
           <a:prstGeom prst="rect">
             <a:avLst/>
           </a:prstGeom>
-          <a:noFill/>
-          <a:ln>
-            <a:noFill/>
-          </a:ln>
         </p:spPr>
       </p:pic>
     </p:spTree>
@@ -6952,10 +6900,10 @@
       </p:grpSpPr>
       <p:sp>
         <p:nvSpPr>
-          <p:cNvPr id="2" name="Заголовок 1">
+          <p:cNvPr id="4" name="Заголовок 3">
             <a:extLst>
               <a:ext uri="{FF2B5EF4-FFF2-40B4-BE49-F238E27FC236}">
-                <a16:creationId xmlns:a16="http://schemas.microsoft.com/office/drawing/2014/main" id="{24E7FC0F-3331-43AD-A5C0-6DFE676ADF21}"/>
+                <a16:creationId xmlns:a16="http://schemas.microsoft.com/office/drawing/2014/main" id="{0AAD88E2-D106-4690-8893-BD4B17572C8B}"/>
               </a:ext>
             </a:extLst>
           </p:cNvPr>
@@ -6966,25 +6914,29 @@
             <p:ph type="title"/>
           </p:nvPr>
         </p:nvSpPr>
-        <p:spPr/>
+        <p:spPr>
+          <a:xfrm>
+            <a:off x="260031" y="388615"/>
+            <a:ext cx="10214929" cy="1400530"/>
+          </a:xfrm>
+        </p:spPr>
         <p:txBody>
           <a:bodyPr/>
           <a:lstStyle/>
           <a:p>
-            <a:pPr algn="ctr"/>
             <a:r>
               <a:rPr lang="ru-RU" dirty="0"/>
-              <a:t>Удалённый репозитарий</a:t>
-            </a:r>
-          </a:p>
-        </p:txBody>
-      </p:sp>
-      <p:sp>
-        <p:nvSpPr>
-          <p:cNvPr id="3" name="Объект 2">
+              <a:t>Предсказание для признака «Прочность при растяжении» </a:t>
+            </a:r>
+          </a:p>
+        </p:txBody>
+      </p:sp>
+      <p:sp>
+        <p:nvSpPr>
+          <p:cNvPr id="5" name="Объект 4">
             <a:extLst>
               <a:ext uri="{FF2B5EF4-FFF2-40B4-BE49-F238E27FC236}">
-                <a16:creationId xmlns:a16="http://schemas.microsoft.com/office/drawing/2014/main" id="{06431432-32BF-42B9-A02E-7E3188E7B4F5}"/>
+                <a16:creationId xmlns:a16="http://schemas.microsoft.com/office/drawing/2014/main" id="{9476A7E9-EDD0-4FB8-952B-3CDF9E3B3EEC}"/>
               </a:ext>
             </a:extLst>
           </p:cNvPr>
@@ -6992,7 +6944,7 @@
             <a:spLocks noGrp="1"/>
           </p:cNvSpPr>
           <p:nvPr>
-            <p:ph idx="1"/>
+            <p:ph sz="half" idx="1"/>
           </p:nvPr>
         </p:nvSpPr>
         <p:spPr/>
@@ -7000,95 +6952,51 @@
           <a:bodyPr/>
           <a:lstStyle/>
           <a:p>
-            <a:pPr indent="450215" algn="just">
-              <a:lnSpc>
-                <a:spcPct val="150000"/>
-              </a:lnSpc>
-            </a:pPr>
-            <a:r>
-              <a:rPr lang="ru-RU" sz="1800" dirty="0">
-                <a:effectLst/>
-                <a:latin typeface="Times New Roman" panose="02020603050405020304" pitchFamily="18" charset="0"/>
-                <a:ea typeface="Calibri" panose="020F0502020204030204" pitchFamily="34" charset="0"/>
-              </a:rPr>
-              <a:t>Репозитарием проекта избран сервис </a:t>
-            </a:r>
-            <a:r>
-              <a:rPr lang="ru-RU" sz="1800" dirty="0" err="1">
-                <a:effectLst/>
-                <a:latin typeface="Times New Roman" panose="02020603050405020304" pitchFamily="18" charset="0"/>
-                <a:ea typeface="Calibri" panose="020F0502020204030204" pitchFamily="34" charset="0"/>
-              </a:rPr>
-              <a:t>GitHub</a:t>
-            </a:r>
-            <a:r>
-              <a:rPr lang="ru-RU" sz="1800" dirty="0">
-                <a:effectLst/>
-                <a:latin typeface="Times New Roman" panose="02020603050405020304" pitchFamily="18" charset="0"/>
-                <a:ea typeface="Calibri" panose="020F0502020204030204" pitchFamily="34" charset="0"/>
-              </a:rPr>
-              <a:t>.</a:t>
-            </a:r>
-          </a:p>
-          <a:p>
-            <a:pPr indent="450215" algn="just">
-              <a:lnSpc>
-                <a:spcPct val="150000"/>
-              </a:lnSpc>
-            </a:pPr>
-            <a:endParaRPr lang="ru-RU" sz="1800" dirty="0">
-              <a:effectLst/>
-              <a:latin typeface="Times New Roman" panose="02020603050405020304" pitchFamily="18" charset="0"/>
-              <a:ea typeface="Calibri" panose="020F0502020204030204" pitchFamily="34" charset="0"/>
-            </a:endParaRPr>
-          </a:p>
-          <a:p>
-            <a:pPr indent="450215" algn="just">
-              <a:lnSpc>
-                <a:spcPct val="150000"/>
-              </a:lnSpc>
-            </a:pPr>
-            <a:r>
-              <a:rPr lang="ru-RU" sz="1800" dirty="0">
-                <a:effectLst/>
-                <a:latin typeface="Times New Roman" panose="02020603050405020304" pitchFamily="18" charset="0"/>
-                <a:ea typeface="Calibri" panose="020F0502020204030204" pitchFamily="34" charset="0"/>
-              </a:rPr>
-              <a:t>Ссылка на репозитарий ВКР:</a:t>
-            </a:r>
-          </a:p>
-          <a:p>
-            <a:pPr indent="450215" algn="just">
-              <a:lnSpc>
-                <a:spcPct val="150000"/>
-              </a:lnSpc>
-            </a:pPr>
-            <a:r>
-              <a:rPr lang="en-US" sz="1800" u="sng" dirty="0">
-                <a:solidFill>
-                  <a:schemeClr val="tx1">
-                    <a:lumMod val="95000"/>
-                  </a:schemeClr>
-                </a:solidFill>
-                <a:latin typeface="Times New Roman" panose="02020603050405020304" pitchFamily="18" charset="0"/>
-                <a:ea typeface="Calibri" panose="020F0502020204030204" pitchFamily="34" charset="0"/>
-              </a:rPr>
-              <a:t>https://github.com/vsevolod008/bmstu_qualifying_work</a:t>
-            </a:r>
-            <a:endParaRPr lang="ru-RU" dirty="0">
-              <a:solidFill>
-                <a:schemeClr val="tx1">
-                  <a:lumMod val="95000"/>
-                </a:schemeClr>
-              </a:solidFill>
-            </a:endParaRPr>
-          </a:p>
-        </p:txBody>
-      </p:sp>
+            <a:r>
+              <a:rPr lang="ru-RU" dirty="0"/>
+              <a:t>Градиентный </a:t>
+            </a:r>
+            <a:r>
+              <a:rPr lang="ru-RU" dirty="0" err="1"/>
+              <a:t>бустинг</a:t>
+            </a:r>
+            <a:endParaRPr lang="ru-RU" dirty="0"/>
+          </a:p>
+        </p:txBody>
+      </p:sp>
+      <p:pic>
+        <p:nvPicPr>
+          <p:cNvPr id="8" name="Объект 7">
+            <a:extLst>
+              <a:ext uri="{FF2B5EF4-FFF2-40B4-BE49-F238E27FC236}">
+                <a16:creationId xmlns:a16="http://schemas.microsoft.com/office/drawing/2014/main" id="{168FEF74-4D8C-491C-941D-C74EA52ACE22}"/>
+              </a:ext>
+            </a:extLst>
+          </p:cNvPr>
+          <p:cNvPicPr>
+            <a:picLocks noGrp="1" noChangeAspect="1"/>
+          </p:cNvPicPr>
+          <p:nvPr>
+            <p:ph sz="half" idx="2"/>
+          </p:nvPr>
+        </p:nvPicPr>
+        <p:blipFill>
+          <a:blip r:embed="rId2"/>
+          <a:stretch>
+            <a:fillRect/>
+          </a:stretch>
+        </p:blipFill>
+        <p:spPr>
+          <a:xfrm>
+            <a:off x="681621" y="2640247"/>
+            <a:ext cx="6136273" cy="3036418"/>
+          </a:xfrm>
+        </p:spPr>
+      </p:pic>
     </p:spTree>
     <p:extLst>
       <p:ext uri="{BB962C8B-B14F-4D97-AF65-F5344CB8AC3E}">
-        <p14:creationId xmlns:p14="http://schemas.microsoft.com/office/powerpoint/2010/main" val="850631647"/>
+        <p14:creationId xmlns:p14="http://schemas.microsoft.com/office/powerpoint/2010/main" val="488894171"/>
       </p:ext>
     </p:extLst>
   </p:cSld>
@@ -7117,6 +7025,350 @@
       </p:grpSpPr>
       <p:sp>
         <p:nvSpPr>
+          <p:cNvPr id="4" name="Заголовок 3">
+            <a:extLst>
+              <a:ext uri="{FF2B5EF4-FFF2-40B4-BE49-F238E27FC236}">
+                <a16:creationId xmlns:a16="http://schemas.microsoft.com/office/drawing/2014/main" id="{0AAD88E2-D106-4690-8893-BD4B17572C8B}"/>
+              </a:ext>
+            </a:extLst>
+          </p:cNvPr>
+          <p:cNvSpPr>
+            <a:spLocks noGrp="1"/>
+          </p:cNvSpPr>
+          <p:nvPr>
+            <p:ph type="title"/>
+          </p:nvPr>
+        </p:nvSpPr>
+        <p:spPr>
+          <a:xfrm>
+            <a:off x="260031" y="388615"/>
+            <a:ext cx="11274243" cy="1400530"/>
+          </a:xfrm>
+        </p:spPr>
+        <p:txBody>
+          <a:bodyPr/>
+          <a:lstStyle/>
+          <a:p>
+            <a:r>
+              <a:rPr lang="ru-RU" dirty="0"/>
+              <a:t>Предсказание для признака «соотношения матрица-наполнитель» </a:t>
+            </a:r>
+          </a:p>
+        </p:txBody>
+      </p:sp>
+      <p:pic>
+        <p:nvPicPr>
+          <p:cNvPr id="10" name="Объект 9">
+            <a:extLst>
+              <a:ext uri="{FF2B5EF4-FFF2-40B4-BE49-F238E27FC236}">
+                <a16:creationId xmlns:a16="http://schemas.microsoft.com/office/drawing/2014/main" id="{4F0DC897-EBBD-43E6-84ED-B012CC76F463}"/>
+              </a:ext>
+            </a:extLst>
+          </p:cNvPr>
+          <p:cNvPicPr>
+            <a:picLocks noGrp="1" noChangeAspect="1"/>
+          </p:cNvPicPr>
+          <p:nvPr>
+            <p:ph sz="half" idx="1"/>
+          </p:nvPr>
+        </p:nvPicPr>
+        <p:blipFill>
+          <a:blip r:embed="rId2"/>
+          <a:stretch>
+            <a:fillRect/>
+          </a:stretch>
+        </p:blipFill>
+        <p:spPr>
+          <a:xfrm>
+            <a:off x="2141166" y="2056092"/>
+            <a:ext cx="5436528" cy="3746416"/>
+          </a:xfrm>
+        </p:spPr>
+      </p:pic>
+      <p:sp>
+        <p:nvSpPr>
+          <p:cNvPr id="7" name="Объект 6">
+            <a:extLst>
+              <a:ext uri="{FF2B5EF4-FFF2-40B4-BE49-F238E27FC236}">
+                <a16:creationId xmlns:a16="http://schemas.microsoft.com/office/drawing/2014/main" id="{14C7A507-0BA8-463D-BD2C-75A2BC764F8E}"/>
+              </a:ext>
+            </a:extLst>
+          </p:cNvPr>
+          <p:cNvSpPr>
+            <a:spLocks noGrp="1"/>
+          </p:cNvSpPr>
+          <p:nvPr>
+            <p:ph sz="half" idx="2"/>
+          </p:nvPr>
+        </p:nvSpPr>
+        <p:spPr/>
+        <p:txBody>
+          <a:bodyPr/>
+          <a:lstStyle/>
+          <a:p>
+            <a:endParaRPr lang="ru-RU"/>
+          </a:p>
+        </p:txBody>
+      </p:sp>
+    </p:spTree>
+    <p:extLst>
+      <p:ext uri="{BB962C8B-B14F-4D97-AF65-F5344CB8AC3E}">
+        <p14:creationId xmlns:p14="http://schemas.microsoft.com/office/powerpoint/2010/main" val="3578989129"/>
+      </p:ext>
+    </p:extLst>
+  </p:cSld>
+  <p:clrMapOvr>
+    <a:masterClrMapping/>
+  </p:clrMapOvr>
+</p:sld>
+</file>
+
+<file path=ppt/slides/slide15.xml><?xml version="1.0" encoding="utf-8"?>
+<p:sld xmlns:a="http://schemas.openxmlformats.org/drawingml/2006/main" xmlns:r="http://schemas.openxmlformats.org/officeDocument/2006/relationships" xmlns:p="http://schemas.openxmlformats.org/presentationml/2006/main">
+  <p:cSld>
+    <p:spTree>
+      <p:nvGrpSpPr>
+        <p:cNvPr id="1" name=""/>
+        <p:cNvGrpSpPr/>
+        <p:nvPr/>
+      </p:nvGrpSpPr>
+      <p:grpSpPr>
+        <a:xfrm>
+          <a:off x="0" y="0"/>
+          <a:ext cx="0" cy="0"/>
+          <a:chOff x="0" y="0"/>
+          <a:chExt cx="0" cy="0"/>
+        </a:xfrm>
+      </p:grpSpPr>
+      <p:sp>
+        <p:nvSpPr>
+          <p:cNvPr id="2" name="Заголовок 1">
+            <a:extLst>
+              <a:ext uri="{FF2B5EF4-FFF2-40B4-BE49-F238E27FC236}">
+                <a16:creationId xmlns:a16="http://schemas.microsoft.com/office/drawing/2014/main" id="{24E7FC0F-3331-43AD-A5C0-6DFE676ADF21}"/>
+              </a:ext>
+            </a:extLst>
+          </p:cNvPr>
+          <p:cNvSpPr>
+            <a:spLocks noGrp="1"/>
+          </p:cNvSpPr>
+          <p:nvPr>
+            <p:ph type="title"/>
+          </p:nvPr>
+        </p:nvSpPr>
+        <p:spPr/>
+        <p:txBody>
+          <a:bodyPr/>
+          <a:lstStyle/>
+          <a:p>
+            <a:pPr algn="ctr"/>
+            <a:r>
+              <a:rPr lang="ru-RU" dirty="0"/>
+              <a:t>Удалённый репозитарий</a:t>
+            </a:r>
+          </a:p>
+        </p:txBody>
+      </p:sp>
+      <p:sp>
+        <p:nvSpPr>
+          <p:cNvPr id="3" name="Объект 2">
+            <a:extLst>
+              <a:ext uri="{FF2B5EF4-FFF2-40B4-BE49-F238E27FC236}">
+                <a16:creationId xmlns:a16="http://schemas.microsoft.com/office/drawing/2014/main" id="{06431432-32BF-42B9-A02E-7E3188E7B4F5}"/>
+              </a:ext>
+            </a:extLst>
+          </p:cNvPr>
+          <p:cNvSpPr>
+            <a:spLocks noGrp="1"/>
+          </p:cNvSpPr>
+          <p:nvPr>
+            <p:ph idx="1"/>
+          </p:nvPr>
+        </p:nvSpPr>
+        <p:spPr/>
+        <p:txBody>
+          <a:bodyPr/>
+          <a:lstStyle/>
+          <a:p>
+            <a:pPr indent="450215" algn="just">
+              <a:lnSpc>
+                <a:spcPct val="150000"/>
+              </a:lnSpc>
+            </a:pPr>
+            <a:r>
+              <a:rPr lang="ru-RU" sz="1800" dirty="0">
+                <a:effectLst/>
+                <a:latin typeface="Times New Roman" panose="02020603050405020304" pitchFamily="18" charset="0"/>
+                <a:ea typeface="Calibri" panose="020F0502020204030204" pitchFamily="34" charset="0"/>
+              </a:rPr>
+              <a:t>Репозитарием проекта избран сервис </a:t>
+            </a:r>
+            <a:r>
+              <a:rPr lang="ru-RU" sz="1800" dirty="0" err="1">
+                <a:effectLst/>
+                <a:latin typeface="Times New Roman" panose="02020603050405020304" pitchFamily="18" charset="0"/>
+                <a:ea typeface="Calibri" panose="020F0502020204030204" pitchFamily="34" charset="0"/>
+              </a:rPr>
+              <a:t>GitHub</a:t>
+            </a:r>
+            <a:r>
+              <a:rPr lang="ru-RU" sz="1800" dirty="0">
+                <a:effectLst/>
+                <a:latin typeface="Times New Roman" panose="02020603050405020304" pitchFamily="18" charset="0"/>
+                <a:ea typeface="Calibri" panose="020F0502020204030204" pitchFamily="34" charset="0"/>
+              </a:rPr>
+              <a:t>.</a:t>
+            </a:r>
+          </a:p>
+          <a:p>
+            <a:pPr indent="450215" algn="just">
+              <a:lnSpc>
+                <a:spcPct val="150000"/>
+              </a:lnSpc>
+            </a:pPr>
+            <a:endParaRPr lang="ru-RU" sz="1800" dirty="0">
+              <a:effectLst/>
+              <a:latin typeface="Times New Roman" panose="02020603050405020304" pitchFamily="18" charset="0"/>
+              <a:ea typeface="Calibri" panose="020F0502020204030204" pitchFamily="34" charset="0"/>
+            </a:endParaRPr>
+          </a:p>
+          <a:p>
+            <a:pPr indent="450215" algn="just">
+              <a:lnSpc>
+                <a:spcPct val="150000"/>
+              </a:lnSpc>
+            </a:pPr>
+            <a:r>
+              <a:rPr lang="ru-RU" sz="1800" dirty="0">
+                <a:effectLst/>
+                <a:latin typeface="Times New Roman" panose="02020603050405020304" pitchFamily="18" charset="0"/>
+                <a:ea typeface="Calibri" panose="020F0502020204030204" pitchFamily="34" charset="0"/>
+              </a:rPr>
+              <a:t>Ссылка на репозитарий ВКР:</a:t>
+            </a:r>
+          </a:p>
+          <a:p>
+            <a:pPr indent="450215" algn="just">
+              <a:lnSpc>
+                <a:spcPct val="150000"/>
+              </a:lnSpc>
+            </a:pPr>
+            <a:r>
+              <a:rPr lang="en-US" sz="1800" u="sng" dirty="0">
+                <a:solidFill>
+                  <a:schemeClr val="tx1">
+                    <a:lumMod val="95000"/>
+                  </a:schemeClr>
+                </a:solidFill>
+                <a:latin typeface="Times New Roman" panose="02020603050405020304" pitchFamily="18" charset="0"/>
+                <a:ea typeface="Calibri" panose="020F0502020204030204" pitchFamily="34" charset="0"/>
+                <a:hlinkClick r:id="rId2"/>
+              </a:rPr>
+              <a:t>https://github.com/vsevolod008/bmstu_qualifying_work</a:t>
+            </a:r>
+            <a:endParaRPr lang="en-US" sz="1800" u="sng" dirty="0">
+              <a:solidFill>
+                <a:schemeClr val="tx1">
+                  <a:lumMod val="95000"/>
+                </a:schemeClr>
+              </a:solidFill>
+              <a:latin typeface="Times New Roman" panose="02020603050405020304" pitchFamily="18" charset="0"/>
+              <a:ea typeface="Calibri" panose="020F0502020204030204" pitchFamily="34" charset="0"/>
+            </a:endParaRPr>
+          </a:p>
+          <a:p>
+            <a:pPr indent="450215" algn="just">
+              <a:lnSpc>
+                <a:spcPct val="150000"/>
+              </a:lnSpc>
+            </a:pPr>
+            <a:r>
+              <a:rPr lang="en-US" sz="1800" dirty="0">
+                <a:solidFill>
+                  <a:schemeClr val="tx1">
+                    <a:lumMod val="95000"/>
+                  </a:schemeClr>
+                </a:solidFill>
+                <a:latin typeface="Times New Roman" panose="02020603050405020304" pitchFamily="18" charset="0"/>
+                <a:cs typeface="Times New Roman" panose="02020603050405020304" pitchFamily="18" charset="0"/>
+                <a:hlinkClick r:id="rId3"/>
+              </a:rPr>
+              <a:t>https://gitlab.com/vsevolod008/bmstu</a:t>
+            </a:r>
+            <a:r>
+              <a:rPr lang="en-US" sz="1800">
+                <a:solidFill>
+                  <a:schemeClr val="tx1">
+                    <a:lumMod val="95000"/>
+                  </a:schemeClr>
+                </a:solidFill>
+                <a:latin typeface="Times New Roman" panose="02020603050405020304" pitchFamily="18" charset="0"/>
+                <a:cs typeface="Times New Roman" panose="02020603050405020304" pitchFamily="18" charset="0"/>
+                <a:hlinkClick r:id="rId3"/>
+              </a:rPr>
+              <a:t>_vkr</a:t>
+            </a:r>
+            <a:endParaRPr lang="en-US" sz="1800">
+              <a:solidFill>
+                <a:schemeClr val="tx1">
+                  <a:lumMod val="95000"/>
+                </a:schemeClr>
+              </a:solidFill>
+              <a:latin typeface="Times New Roman" panose="02020603050405020304" pitchFamily="18" charset="0"/>
+              <a:cs typeface="Times New Roman" panose="02020603050405020304" pitchFamily="18" charset="0"/>
+            </a:endParaRPr>
+          </a:p>
+          <a:p>
+            <a:pPr indent="0" algn="just">
+              <a:lnSpc>
+                <a:spcPct val="150000"/>
+              </a:lnSpc>
+              <a:buNone/>
+            </a:pPr>
+            <a:endParaRPr lang="ru-RU" sz="1800" dirty="0">
+              <a:solidFill>
+                <a:schemeClr val="tx1">
+                  <a:lumMod val="95000"/>
+                </a:schemeClr>
+              </a:solidFill>
+              <a:latin typeface="Times New Roman" panose="02020603050405020304" pitchFamily="18" charset="0"/>
+              <a:cs typeface="Times New Roman" panose="02020603050405020304" pitchFamily="18" charset="0"/>
+            </a:endParaRPr>
+          </a:p>
+        </p:txBody>
+      </p:sp>
+    </p:spTree>
+    <p:extLst>
+      <p:ext uri="{BB962C8B-B14F-4D97-AF65-F5344CB8AC3E}">
+        <p14:creationId xmlns:p14="http://schemas.microsoft.com/office/powerpoint/2010/main" val="850631647"/>
+      </p:ext>
+    </p:extLst>
+  </p:cSld>
+  <p:clrMapOvr>
+    <a:masterClrMapping/>
+  </p:clrMapOvr>
+</p:sld>
+</file>
+
+<file path=ppt/slides/slide16.xml><?xml version="1.0" encoding="utf-8"?>
+<p:sld xmlns:a="http://schemas.openxmlformats.org/drawingml/2006/main" xmlns:r="http://schemas.openxmlformats.org/officeDocument/2006/relationships" xmlns:p="http://schemas.openxmlformats.org/presentationml/2006/main">
+  <p:cSld>
+    <p:spTree>
+      <p:nvGrpSpPr>
+        <p:cNvPr id="1" name=""/>
+        <p:cNvGrpSpPr/>
+        <p:nvPr/>
+      </p:nvGrpSpPr>
+      <p:grpSpPr>
+        <a:xfrm>
+          <a:off x="0" y="0"/>
+          <a:ext cx="0" cy="0"/>
+          <a:chOff x="0" y="0"/>
+          <a:chExt cx="0" cy="0"/>
+        </a:xfrm>
+      </p:grpSpPr>
+      <p:sp>
+        <p:nvSpPr>
           <p:cNvPr id="2" name="Заголовок 1">
             <a:extLst>
               <a:ext uri="{FF2B5EF4-FFF2-40B4-BE49-F238E27FC236}">
@@ -7212,7 +7464,7 @@
 </p:sld>
 </file>
 
-<file path=ppt/slides/slide15.xml><?xml version="1.0" encoding="utf-8"?>
+<file path=ppt/slides/slide17.xml><?xml version="1.0" encoding="utf-8"?>
 <p:sld xmlns:a="http://schemas.openxmlformats.org/drawingml/2006/main" xmlns:r="http://schemas.openxmlformats.org/officeDocument/2006/relationships" xmlns:p="http://schemas.openxmlformats.org/presentationml/2006/main">
   <p:cSld>
     <p:spTree>

--- a/Презентация_Терещук_ВО.pptx
+++ b/Презентация_Терещук_ВО.pptx
@@ -315,7 +315,7 @@
             <a:fld id="{B61BEF0D-F0BB-DE4B-95CE-6DB70DBA9567}" type="datetimeFigureOut">
               <a:rPr lang="en-US" smtClean="0"/>
               <a:pPr/>
-              <a:t>4/21/2022</a:t>
+              <a:t>4/22/2022</a:t>
             </a:fld>
             <a:endParaRPr lang="en-US" dirty="0"/>
           </a:p>
@@ -592,7 +592,7 @@
             <a:fld id="{B61BEF0D-F0BB-DE4B-95CE-6DB70DBA9567}" type="datetimeFigureOut">
               <a:rPr lang="en-US" smtClean="0"/>
               <a:pPr/>
-              <a:t>4/21/2022</a:t>
+              <a:t>4/22/2022</a:t>
             </a:fld>
             <a:endParaRPr lang="en-US" dirty="0"/>
           </a:p>
@@ -788,7 +788,7 @@
             <a:fld id="{B61BEF0D-F0BB-DE4B-95CE-6DB70DBA9567}" type="datetimeFigureOut">
               <a:rPr lang="en-US" smtClean="0"/>
               <a:pPr/>
-              <a:t>4/21/2022</a:t>
+              <a:t>4/22/2022</a:t>
             </a:fld>
             <a:endParaRPr lang="en-US" dirty="0"/>
           </a:p>
@@ -1063,7 +1063,7 @@
             <a:fld id="{B61BEF0D-F0BB-DE4B-95CE-6DB70DBA9567}" type="datetimeFigureOut">
               <a:rPr lang="en-US" smtClean="0"/>
               <a:pPr/>
-              <a:t>4/21/2022</a:t>
+              <a:t>4/22/2022</a:t>
             </a:fld>
             <a:endParaRPr lang="en-US" dirty="0"/>
           </a:p>
@@ -1406,7 +1406,7 @@
             <a:fld id="{B61BEF0D-F0BB-DE4B-95CE-6DB70DBA9567}" type="datetimeFigureOut">
               <a:rPr lang="en-US" smtClean="0"/>
               <a:pPr/>
-              <a:t>4/21/2022</a:t>
+              <a:t>4/22/2022</a:t>
             </a:fld>
             <a:endParaRPr lang="en-US" dirty="0"/>
           </a:p>
@@ -2031,7 +2031,7 @@
             <a:fld id="{B61BEF0D-F0BB-DE4B-95CE-6DB70DBA9567}" type="datetimeFigureOut">
               <a:rPr lang="en-US" smtClean="0"/>
               <a:pPr/>
-              <a:t>4/21/2022</a:t>
+              <a:t>4/22/2022</a:t>
             </a:fld>
             <a:endParaRPr lang="en-US" dirty="0"/>
           </a:p>
@@ -2893,7 +2893,7 @@
             <a:fld id="{B61BEF0D-F0BB-DE4B-95CE-6DB70DBA9567}" type="datetimeFigureOut">
               <a:rPr lang="en-US" smtClean="0"/>
               <a:pPr/>
-              <a:t>4/21/2022</a:t>
+              <a:t>4/22/2022</a:t>
             </a:fld>
             <a:endParaRPr lang="en-US" dirty="0"/>
           </a:p>
@@ -3065,7 +3065,7 @@
             <a:fld id="{B61BEF0D-F0BB-DE4B-95CE-6DB70DBA9567}" type="datetimeFigureOut">
               <a:rPr lang="en-US" smtClean="0"/>
               <a:pPr/>
-              <a:t>4/21/2022</a:t>
+              <a:t>4/22/2022</a:t>
             </a:fld>
             <a:endParaRPr lang="en-US" dirty="0"/>
           </a:p>
@@ -3247,7 +3247,7 @@
             <a:fld id="{B61BEF0D-F0BB-DE4B-95CE-6DB70DBA9567}" type="datetimeFigureOut">
               <a:rPr lang="en-US" smtClean="0"/>
               <a:pPr/>
-              <a:t>4/21/2022</a:t>
+              <a:t>4/22/2022</a:t>
             </a:fld>
             <a:endParaRPr lang="en-US" dirty="0"/>
           </a:p>
@@ -3419,7 +3419,7 @@
             <a:fld id="{B61BEF0D-F0BB-DE4B-95CE-6DB70DBA9567}" type="datetimeFigureOut">
               <a:rPr lang="en-US" smtClean="0"/>
               <a:pPr/>
-              <a:t>4/21/2022</a:t>
+              <a:t>4/22/2022</a:t>
             </a:fld>
             <a:endParaRPr lang="en-US" dirty="0"/>
           </a:p>
@@ -3668,7 +3668,7 @@
             <a:fld id="{B61BEF0D-F0BB-DE4B-95CE-6DB70DBA9567}" type="datetimeFigureOut">
               <a:rPr lang="en-US" smtClean="0"/>
               <a:pPr/>
-              <a:t>4/21/2022</a:t>
+              <a:t>4/22/2022</a:t>
             </a:fld>
             <a:endParaRPr lang="en-US" dirty="0"/>
           </a:p>
@@ -3962,7 +3962,7 @@
             <a:fld id="{B61BEF0D-F0BB-DE4B-95CE-6DB70DBA9567}" type="datetimeFigureOut">
               <a:rPr lang="en-US" smtClean="0"/>
               <a:pPr/>
-              <a:t>4/21/2022</a:t>
+              <a:t>4/22/2022</a:t>
             </a:fld>
             <a:endParaRPr lang="en-US" dirty="0"/>
           </a:p>
@@ -4408,7 +4408,7 @@
             <a:fld id="{B61BEF0D-F0BB-DE4B-95CE-6DB70DBA9567}" type="datetimeFigureOut">
               <a:rPr lang="en-US" smtClean="0"/>
               <a:pPr/>
-              <a:t>4/21/2022</a:t>
+              <a:t>4/22/2022</a:t>
             </a:fld>
             <a:endParaRPr lang="en-US" dirty="0"/>
           </a:p>
@@ -4528,7 +4528,7 @@
             <a:fld id="{B61BEF0D-F0BB-DE4B-95CE-6DB70DBA9567}" type="datetimeFigureOut">
               <a:rPr lang="en-US" smtClean="0"/>
               <a:pPr/>
-              <a:t>4/21/2022</a:t>
+              <a:t>4/22/2022</a:t>
             </a:fld>
             <a:endParaRPr lang="en-US" dirty="0"/>
           </a:p>
@@ -4625,7 +4625,7 @@
             <a:fld id="{B61BEF0D-F0BB-DE4B-95CE-6DB70DBA9567}" type="datetimeFigureOut">
               <a:rPr lang="en-US" smtClean="0"/>
               <a:pPr/>
-              <a:t>4/21/2022</a:t>
+              <a:t>4/22/2022</a:t>
             </a:fld>
             <a:endParaRPr lang="en-US" dirty="0"/>
           </a:p>
@@ -4906,7 +4906,7 @@
             <a:fld id="{B61BEF0D-F0BB-DE4B-95CE-6DB70DBA9567}" type="datetimeFigureOut">
               <a:rPr lang="en-US" smtClean="0"/>
               <a:pPr/>
-              <a:t>4/21/2022</a:t>
+              <a:t>4/22/2022</a:t>
             </a:fld>
             <a:endParaRPr lang="en-US" dirty="0"/>
           </a:p>
@@ -5183,7 +5183,7 @@
             <a:fld id="{B61BEF0D-F0BB-DE4B-95CE-6DB70DBA9567}" type="datetimeFigureOut">
               <a:rPr lang="en-US" smtClean="0"/>
               <a:pPr/>
-              <a:t>4/21/2022</a:t>
+              <a:t>4/22/2022</a:t>
             </a:fld>
             <a:endParaRPr lang="en-US" dirty="0"/>
           </a:p>
@@ -5614,7 +5614,7 @@
             <a:fld id="{B61BEF0D-F0BB-DE4B-95CE-6DB70DBA9567}" type="datetimeFigureOut">
               <a:rPr lang="en-US" smtClean="0"/>
               <a:pPr/>
-              <a:t>4/21/2022</a:t>
+              <a:t>4/22/2022</a:t>
             </a:fld>
             <a:endParaRPr lang="en-US" dirty="0"/>
           </a:p>
@@ -7085,31 +7085,6 @@
           </a:xfrm>
         </p:spPr>
       </p:pic>
-      <p:sp>
-        <p:nvSpPr>
-          <p:cNvPr id="7" name="Объект 6">
-            <a:extLst>
-              <a:ext uri="{FF2B5EF4-FFF2-40B4-BE49-F238E27FC236}">
-                <a16:creationId xmlns:a16="http://schemas.microsoft.com/office/drawing/2014/main" id="{14C7A507-0BA8-463D-BD2C-75A2BC764F8E}"/>
-              </a:ext>
-            </a:extLst>
-          </p:cNvPr>
-          <p:cNvSpPr>
-            <a:spLocks noGrp="1"/>
-          </p:cNvSpPr>
-          <p:nvPr>
-            <p:ph sz="half" idx="2"/>
-          </p:nvPr>
-        </p:nvSpPr>
-        <p:spPr/>
-        <p:txBody>
-          <a:bodyPr/>
-          <a:lstStyle/>
-          <a:p>
-            <a:endParaRPr lang="ru-RU"/>
-          </a:p>
-        </p:txBody>
-      </p:sp>
     </p:spTree>
     <p:extLst>
       <p:ext uri="{BB962C8B-B14F-4D97-AF65-F5344CB8AC3E}">
@@ -7264,7 +7239,20 @@
                 <a:ea typeface="Calibri" panose="020F0502020204030204" pitchFamily="34" charset="0"/>
                 <a:hlinkClick r:id="rId2"/>
               </a:rPr>
-              <a:t>https://github.com/vsevolod008/bmstu_qualifying_work</a:t>
+              <a:t>https://github.com/vsevolod008/bmstu_qualifying</a:t>
+            </a:r>
+            <a:r>
+              <a:rPr lang="en-US" sz="1800" u="sng">
+                <a:solidFill>
+                  <a:schemeClr val="tx1">
+                    <a:lumMod val="95000"/>
+                  </a:schemeClr>
+                </a:solidFill>
+                <a:latin typeface="Times New Roman" panose="02020603050405020304" pitchFamily="18" charset="0"/>
+                <a:ea typeface="Calibri" panose="020F0502020204030204" pitchFamily="34" charset="0"/>
+                <a:hlinkClick r:id="rId2"/>
+              </a:rPr>
+              <a:t>_work</a:t>
             </a:r>
             <a:endParaRPr lang="en-US" sz="1800" u="sng" dirty="0">
               <a:solidFill>
@@ -7274,65 +7262,6 @@
               </a:solidFill>
               <a:latin typeface="Times New Roman" panose="02020603050405020304" pitchFamily="18" charset="0"/>
               <a:ea typeface="Calibri" panose="020F0502020204030204" pitchFamily="34" charset="0"/>
-            </a:endParaRPr>
-          </a:p>
-          <a:p>
-            <a:pPr indent="450215" algn="just">
-              <a:lnSpc>
-                <a:spcPct val="150000"/>
-              </a:lnSpc>
-            </a:pPr>
-            <a:r>
-              <a:rPr lang="en-US" sz="1800" dirty="0">
-                <a:solidFill>
-                  <a:schemeClr val="tx1">
-                    <a:lumMod val="95000"/>
-                  </a:schemeClr>
-                </a:solidFill>
-                <a:latin typeface="Times New Roman" panose="02020603050405020304" pitchFamily="18" charset="0"/>
-                <a:cs typeface="Times New Roman" panose="02020603050405020304" pitchFamily="18" charset="0"/>
-                <a:hlinkClick r:id="rId3"/>
-              </a:rPr>
-              <a:t>https://gitlab.com/vsevolod008/bmstu</a:t>
-            </a:r>
-            <a:r>
-              <a:rPr lang="en-US" sz="1800">
-                <a:solidFill>
-                  <a:schemeClr val="tx1">
-                    <a:lumMod val="95000"/>
-                  </a:schemeClr>
-                </a:solidFill>
-                <a:latin typeface="Times New Roman" panose="02020603050405020304" pitchFamily="18" charset="0"/>
-                <a:cs typeface="Times New Roman" panose="02020603050405020304" pitchFamily="18" charset="0"/>
-                <a:hlinkClick r:id="rId3"/>
-              </a:rPr>
-              <a:t>_vkr</a:t>
-            </a:r>
-            <a:endParaRPr lang="en-US" sz="1800">
-              <a:solidFill>
-                <a:schemeClr val="tx1">
-                  <a:lumMod val="95000"/>
-                </a:schemeClr>
-              </a:solidFill>
-              <a:latin typeface="Times New Roman" panose="02020603050405020304" pitchFamily="18" charset="0"/>
-              <a:cs typeface="Times New Roman" panose="02020603050405020304" pitchFamily="18" charset="0"/>
-            </a:endParaRPr>
-          </a:p>
-          <a:p>
-            <a:pPr indent="0" algn="just">
-              <a:lnSpc>
-                <a:spcPct val="150000"/>
-              </a:lnSpc>
-              <a:buNone/>
-            </a:pPr>
-            <a:endParaRPr lang="ru-RU" sz="1800" dirty="0">
-              <a:solidFill>
-                <a:schemeClr val="tx1">
-                  <a:lumMod val="95000"/>
-                </a:schemeClr>
-              </a:solidFill>
-              <a:latin typeface="Times New Roman" panose="02020603050405020304" pitchFamily="18" charset="0"/>
-              <a:cs typeface="Times New Roman" panose="02020603050405020304" pitchFamily="18" charset="0"/>
             </a:endParaRPr>
           </a:p>
         </p:txBody>
